--- a/Anukriti Experience using Git and Github.pptx
+++ b/Anukriti Experience using Git and Github.pptx
@@ -105,6 +105,11 @@
       </a:defRPr>
     </a:lvl9pPr>
   </p:defaultTextStyle>
+  <p:extLst>
+    <p:ext uri="{EFAFB233-063F-42B5-8137-9DF3F51BA10A}">
+      <p15:sldGuideLst xmlns:p15="http://schemas.microsoft.com/office/powerpoint/2012/main"/>
+    </p:ext>
+  </p:extLst>
 </p:presentation>
 </file>
 
@@ -3428,12 +3433,48 @@
           <a:chExt cx="0" cy="0"/>
         </a:xfrm>
       </p:grpSpPr>
+      <p:sp>
+        <p:nvSpPr>
+          <p:cNvPr id="4" name="TextBox 3">
+            <a:extLst>
+              <a:ext uri="{FF2B5EF4-FFF2-40B4-BE49-F238E27FC236}">
+                <a16:creationId xmlns:a16="http://schemas.microsoft.com/office/drawing/2014/main" id="{4E50903A-B537-45E6-365C-A4761D1513B8}"/>
+              </a:ext>
+            </a:extLst>
+          </p:cNvPr>
+          <p:cNvSpPr txBox="1"/>
+          <p:nvPr/>
+        </p:nvSpPr>
+        <p:spPr>
+          <a:xfrm>
+            <a:off x="1407037" y="592126"/>
+            <a:ext cx="8612155" cy="523220"/>
+          </a:xfrm>
+          <a:prstGeom prst="rect">
+            <a:avLst/>
+          </a:prstGeom>
+          <a:noFill/>
+        </p:spPr>
+        <p:txBody>
+          <a:bodyPr wrap="square" rtlCol="0">
+            <a:spAutoFit/>
+          </a:bodyPr>
+          <a:lstStyle/>
+          <a:p>
+            <a:pPr algn="ctr"/>
+            <a:r>
+              <a:rPr lang="en-US" sz="2800" b="1" dirty="0"/>
+              <a:t>My Repository Network Diagram</a:t>
+            </a:r>
+          </a:p>
+        </p:txBody>
+      </p:sp>
       <p:pic>
         <p:nvPicPr>
-          <p:cNvPr id="3" name="Picture 2">
-            <a:extLst>
-              <a:ext uri="{FF2B5EF4-FFF2-40B4-BE49-F238E27FC236}">
-                <a16:creationId xmlns:a16="http://schemas.microsoft.com/office/drawing/2014/main" id="{44BBDC22-DC14-5BEE-39CD-6ECEA8CEFCE7}"/>
+          <p:cNvPr id="7" name="Picture 6">
+            <a:extLst>
+              <a:ext uri="{FF2B5EF4-FFF2-40B4-BE49-F238E27FC236}">
+                <a16:creationId xmlns:a16="http://schemas.microsoft.com/office/drawing/2014/main" id="{1AC9E1B2-7A52-BE50-E010-E022E3EFCF20}"/>
               </a:ext>
             </a:extLst>
           </p:cNvPr>
@@ -3450,55 +3491,14 @@
         </p:blipFill>
         <p:spPr>
           <a:xfrm>
-            <a:off x="1071135" y="1483568"/>
-            <a:ext cx="9612415" cy="5024902"/>
+            <a:off x="1560544" y="1618384"/>
+            <a:ext cx="9495939" cy="4858616"/>
           </a:xfrm>
           <a:prstGeom prst="rect">
             <a:avLst/>
           </a:prstGeom>
-          <a:ln>
-            <a:solidFill>
-              <a:schemeClr val="tx1"/>
-            </a:solidFill>
-          </a:ln>
         </p:spPr>
       </p:pic>
-      <p:sp>
-        <p:nvSpPr>
-          <p:cNvPr id="4" name="TextBox 3">
-            <a:extLst>
-              <a:ext uri="{FF2B5EF4-FFF2-40B4-BE49-F238E27FC236}">
-                <a16:creationId xmlns:a16="http://schemas.microsoft.com/office/drawing/2014/main" id="{4E50903A-B537-45E6-365C-A4761D1513B8}"/>
-              </a:ext>
-            </a:extLst>
-          </p:cNvPr>
-          <p:cNvSpPr txBox="1"/>
-          <p:nvPr/>
-        </p:nvSpPr>
-        <p:spPr>
-          <a:xfrm>
-            <a:off x="1407037" y="592126"/>
-            <a:ext cx="8612155" cy="523220"/>
-          </a:xfrm>
-          <a:prstGeom prst="rect">
-            <a:avLst/>
-          </a:prstGeom>
-          <a:noFill/>
-        </p:spPr>
-        <p:txBody>
-          <a:bodyPr wrap="square" rtlCol="0">
-            <a:spAutoFit/>
-          </a:bodyPr>
-          <a:lstStyle/>
-          <a:p>
-            <a:pPr algn="ctr"/>
-            <a:r>
-              <a:rPr lang="en-US" sz="2800" b="1" dirty="0"/>
-              <a:t>My Repository Network Diagram</a:t>
-            </a:r>
-          </a:p>
-        </p:txBody>
-      </p:sp>
     </p:spTree>
     <p:extLst>
       <p:ext uri="{BB962C8B-B14F-4D97-AF65-F5344CB8AC3E}">
